--- a/SmartTools/Provisioning Build Tools.pptx
+++ b/SmartTools/Provisioning Build Tools.pptx
@@ -3480,7 +3480,7 @@
           <a:p>
             <a:fld id="{821C28A2-C0F5-4782-8E56-2BBE1D9CA486}" type="datetimeFigureOut">
               <a:rPr lang="en-US" smtClean="0"/>
-              <a:t>1/28/2021</a:t>
+              <a:t>4/15/2021</a:t>
             </a:fld>
             <a:endParaRPr lang="en-US"/>
           </a:p>
@@ -3678,7 +3678,7 @@
           <a:p>
             <a:fld id="{821C28A2-C0F5-4782-8E56-2BBE1D9CA486}" type="datetimeFigureOut">
               <a:rPr lang="en-US" smtClean="0"/>
-              <a:t>1/28/2021</a:t>
+              <a:t>4/15/2021</a:t>
             </a:fld>
             <a:endParaRPr lang="en-US"/>
           </a:p>
@@ -3886,7 +3886,7 @@
           <a:p>
             <a:fld id="{821C28A2-C0F5-4782-8E56-2BBE1D9CA486}" type="datetimeFigureOut">
               <a:rPr lang="en-US" smtClean="0"/>
-              <a:t>1/28/2021</a:t>
+              <a:t>4/15/2021</a:t>
             </a:fld>
             <a:endParaRPr lang="en-US"/>
           </a:p>
@@ -4084,7 +4084,7 @@
           <a:p>
             <a:fld id="{821C28A2-C0F5-4782-8E56-2BBE1D9CA486}" type="datetimeFigureOut">
               <a:rPr lang="en-US" smtClean="0"/>
-              <a:t>1/28/2021</a:t>
+              <a:t>4/15/2021</a:t>
             </a:fld>
             <a:endParaRPr lang="en-US"/>
           </a:p>
@@ -4359,7 +4359,7 @@
           <a:p>
             <a:fld id="{821C28A2-C0F5-4782-8E56-2BBE1D9CA486}" type="datetimeFigureOut">
               <a:rPr lang="en-US" smtClean="0"/>
-              <a:t>1/28/2021</a:t>
+              <a:t>4/15/2021</a:t>
             </a:fld>
             <a:endParaRPr lang="en-US"/>
           </a:p>
@@ -4624,7 +4624,7 @@
           <a:p>
             <a:fld id="{821C28A2-C0F5-4782-8E56-2BBE1D9CA486}" type="datetimeFigureOut">
               <a:rPr lang="en-US" smtClean="0"/>
-              <a:t>1/28/2021</a:t>
+              <a:t>4/15/2021</a:t>
             </a:fld>
             <a:endParaRPr lang="en-US"/>
           </a:p>
@@ -5036,7 +5036,7 @@
           <a:p>
             <a:fld id="{821C28A2-C0F5-4782-8E56-2BBE1D9CA486}" type="datetimeFigureOut">
               <a:rPr lang="en-US" smtClean="0"/>
-              <a:t>1/28/2021</a:t>
+              <a:t>4/15/2021</a:t>
             </a:fld>
             <a:endParaRPr lang="en-US"/>
           </a:p>
@@ -5177,7 +5177,7 @@
           <a:p>
             <a:fld id="{821C28A2-C0F5-4782-8E56-2BBE1D9CA486}" type="datetimeFigureOut">
               <a:rPr lang="en-US" smtClean="0"/>
-              <a:t>1/28/2021</a:t>
+              <a:t>4/15/2021</a:t>
             </a:fld>
             <a:endParaRPr lang="en-US"/>
           </a:p>
@@ -5290,7 +5290,7 @@
           <a:p>
             <a:fld id="{821C28A2-C0F5-4782-8E56-2BBE1D9CA486}" type="datetimeFigureOut">
               <a:rPr lang="en-US" smtClean="0"/>
-              <a:t>1/28/2021</a:t>
+              <a:t>4/15/2021</a:t>
             </a:fld>
             <a:endParaRPr lang="en-US"/>
           </a:p>
@@ -5601,7 +5601,7 @@
           <a:p>
             <a:fld id="{821C28A2-C0F5-4782-8E56-2BBE1D9CA486}" type="datetimeFigureOut">
               <a:rPr lang="en-US" smtClean="0"/>
-              <a:t>1/28/2021</a:t>
+              <a:t>4/15/2021</a:t>
             </a:fld>
             <a:endParaRPr lang="en-US"/>
           </a:p>
@@ -5889,7 +5889,7 @@
           <a:p>
             <a:fld id="{821C28A2-C0F5-4782-8E56-2BBE1D9CA486}" type="datetimeFigureOut">
               <a:rPr lang="en-US" smtClean="0"/>
-              <a:t>1/28/2021</a:t>
+              <a:t>4/15/2021</a:t>
             </a:fld>
             <a:endParaRPr lang="en-US"/>
           </a:p>
@@ -6130,7 +6130,7 @@
           <a:p>
             <a:fld id="{821C28A2-C0F5-4782-8E56-2BBE1D9CA486}" type="datetimeFigureOut">
               <a:rPr lang="en-US" smtClean="0"/>
-              <a:t>1/28/2021</a:t>
+              <a:t>4/15/2021</a:t>
             </a:fld>
             <a:endParaRPr lang="en-US"/>
           </a:p>
@@ -8932,8 +8932,19 @@
                 <a:latin typeface="Segoe UI Light" panose="020B0502040204020203" pitchFamily="34" charset="0"/>
                 <a:cs typeface="Segoe UI Light" panose="020B0502040204020203" pitchFamily="34" charset="0"/>
               </a:rPr>
-              <a:t>Integration with single DUT testing in future</a:t>
+              <a:t>single </a:t>
             </a:r>
+            <a:r>
+              <a:rPr lang="en-US" spc="-40">
+                <a:latin typeface="Segoe UI Light" panose="020B0502040204020203" pitchFamily="34" charset="0"/>
+                <a:cs typeface="Segoe UI Light" panose="020B0502040204020203" pitchFamily="34" charset="0"/>
+              </a:rPr>
+              <a:t>DUT testing</a:t>
+            </a:r>
+            <a:endParaRPr lang="en-US" spc="-40" dirty="0">
+              <a:latin typeface="Segoe UI Light" panose="020B0502040204020203" pitchFamily="34" charset="0"/>
+              <a:cs typeface="Segoe UI Light" panose="020B0502040204020203" pitchFamily="34" charset="0"/>
+            </a:endParaRPr>
           </a:p>
           <a:p>
             <a:pPr marL="0" indent="0">
